--- a/Project Specs/Matt H part 2 UI rendering.pptx
+++ b/Project Specs/Matt H part 2 UI rendering.pptx
@@ -6,6 +6,12 @@
   </p:sldMasterIdLst>
   <p:sldIdLst>
     <p:sldId id="256" r:id="rId2"/>
+    <p:sldId id="257" r:id="rId3"/>
+    <p:sldId id="258" r:id="rId4"/>
+    <p:sldId id="259" r:id="rId5"/>
+    <p:sldId id="260" r:id="rId6"/>
+    <p:sldId id="261" r:id="rId7"/>
+    <p:sldId id="262" r:id="rId8"/>
   </p:sldIdLst>
   <p:sldSz cx="9144000" cy="6858000" type="screen4x3"/>
   <p:notesSz cx="6858000" cy="9144000"/>
@@ -219,7 +225,7 @@
             <a:fld id="{1D8BD707-D9CF-40AE-B4C6-C98DA3205C09}" type="datetimeFigureOut">
               <a:rPr lang="en-US" smtClean="0"/>
               <a:pPr/>
-              <a:t>10/27/2014</a:t>
+              <a:t>10/28/2014</a:t>
             </a:fld>
             <a:endParaRPr lang="en-US"/>
           </a:p>
@@ -447,7 +453,7 @@
             <a:fld id="{1D8BD707-D9CF-40AE-B4C6-C98DA3205C09}" type="datetimeFigureOut">
               <a:rPr lang="en-US" smtClean="0"/>
               <a:pPr/>
-              <a:t>10/27/2014</a:t>
+              <a:t>10/28/2014</a:t>
             </a:fld>
             <a:endParaRPr lang="en-US"/>
           </a:p>
@@ -624,7 +630,7 @@
             <a:fld id="{1D8BD707-D9CF-40AE-B4C6-C98DA3205C09}" type="datetimeFigureOut">
               <a:rPr lang="en-US" smtClean="0"/>
               <a:pPr/>
-              <a:t>10/27/2014</a:t>
+              <a:t>10/28/2014</a:t>
             </a:fld>
             <a:endParaRPr lang="en-US"/>
           </a:p>
@@ -791,7 +797,7 @@
             <a:fld id="{1D8BD707-D9CF-40AE-B4C6-C98DA3205C09}" type="datetimeFigureOut">
               <a:rPr lang="en-US" smtClean="0"/>
               <a:pPr/>
-              <a:t>10/27/2014</a:t>
+              <a:t>10/28/2014</a:t>
             </a:fld>
             <a:endParaRPr lang="en-US"/>
           </a:p>
@@ -1037,7 +1043,7 @@
             <a:fld id="{1D8BD707-D9CF-40AE-B4C6-C98DA3205C09}" type="datetimeFigureOut">
               <a:rPr lang="en-US" smtClean="0"/>
               <a:pPr/>
-              <a:t>10/27/2014</a:t>
+              <a:t>10/28/2014</a:t>
             </a:fld>
             <a:endParaRPr lang="en-US"/>
           </a:p>
@@ -1303,7 +1309,7 @@
             <a:fld id="{1D8BD707-D9CF-40AE-B4C6-C98DA3205C09}" type="datetimeFigureOut">
               <a:rPr lang="en-US" smtClean="0"/>
               <a:pPr/>
-              <a:t>10/27/2014</a:t>
+              <a:t>10/28/2014</a:t>
             </a:fld>
             <a:endParaRPr lang="en-US"/>
           </a:p>
@@ -1679,7 +1685,7 @@
             <a:fld id="{1D8BD707-D9CF-40AE-B4C6-C98DA3205C09}" type="datetimeFigureOut">
               <a:rPr lang="en-US" smtClean="0"/>
               <a:pPr/>
-              <a:t>10/27/2014</a:t>
+              <a:t>10/28/2014</a:t>
             </a:fld>
             <a:endParaRPr lang="en-US"/>
           </a:p>
@@ -1794,7 +1800,7 @@
             <a:fld id="{1D8BD707-D9CF-40AE-B4C6-C98DA3205C09}" type="datetimeFigureOut">
               <a:rPr lang="en-US" smtClean="0"/>
               <a:pPr/>
-              <a:t>10/27/2014</a:t>
+              <a:t>10/28/2014</a:t>
             </a:fld>
             <a:endParaRPr lang="en-US"/>
           </a:p>
@@ -1886,7 +1892,7 @@
             <a:fld id="{1D8BD707-D9CF-40AE-B4C6-C98DA3205C09}" type="datetimeFigureOut">
               <a:rPr lang="en-US" smtClean="0"/>
               <a:pPr/>
-              <a:t>10/27/2014</a:t>
+              <a:t>10/28/2014</a:t>
             </a:fld>
             <a:endParaRPr lang="en-US"/>
           </a:p>
@@ -2146,7 +2152,7 @@
             <a:fld id="{1D8BD707-D9CF-40AE-B4C6-C98DA3205C09}" type="datetimeFigureOut">
               <a:rPr lang="en-US" smtClean="0"/>
               <a:pPr/>
-              <a:t>10/27/2014</a:t>
+              <a:t>10/28/2014</a:t>
             </a:fld>
             <a:endParaRPr lang="en-US"/>
           </a:p>
@@ -2412,7 +2418,7 @@
             <a:fld id="{1D8BD707-D9CF-40AE-B4C6-C98DA3205C09}" type="datetimeFigureOut">
               <a:rPr lang="en-US" smtClean="0"/>
               <a:pPr/>
-              <a:t>10/27/2014</a:t>
+              <a:t>10/28/2014</a:t>
             </a:fld>
             <a:endParaRPr lang="en-US"/>
           </a:p>
@@ -2631,7 +2637,7 @@
             <a:fld id="{1D8BD707-D9CF-40AE-B4C6-C98DA3205C09}" type="datetimeFigureOut">
               <a:rPr lang="en-US" smtClean="0"/>
               <a:pPr/>
-              <a:t>10/27/2014</a:t>
+              <a:t>10/28/2014</a:t>
             </a:fld>
             <a:endParaRPr lang="en-US"/>
           </a:p>
@@ -3132,9 +3138,358 @@
     </p:spTree>
     <p:extLst>
       <p:ext uri="{BB962C8B-B14F-4D97-AF65-F5344CB8AC3E}">
-        <p14:creationId xmlns:p14="http://schemas.microsoft.com/office/powerpoint/2010/main" val="240978538"/>
+        <p14:creationId xmlns="" xmlns:p14="http://schemas.microsoft.com/office/powerpoint/2010/main" val="240978538"/>
       </p:ext>
     </p:extLst>
+  </p:cSld>
+  <p:clrMapOvr>
+    <a:masterClrMapping/>
+  </p:clrMapOvr>
+</p:sld>
+</file>
+
+<file path=ppt/slides/slide2.xml><?xml version="1.0" encoding="utf-8"?>
+<p:sld xmlns:a="http://schemas.openxmlformats.org/drawingml/2006/main" xmlns:r="http://schemas.openxmlformats.org/officeDocument/2006/relationships" xmlns:p="http://schemas.openxmlformats.org/presentationml/2006/main">
+  <p:cSld>
+    <p:spTree>
+      <p:nvGrpSpPr>
+        <p:cNvPr id="1" name=""/>
+        <p:cNvGrpSpPr/>
+        <p:nvPr/>
+      </p:nvGrpSpPr>
+      <p:grpSpPr>
+        <a:xfrm>
+          <a:off x="0" y="0"/>
+          <a:ext cx="0" cy="0"/>
+          <a:chOff x="0" y="0"/>
+          <a:chExt cx="0" cy="0"/>
+        </a:xfrm>
+      </p:grpSpPr>
+      <p:sp>
+        <p:nvSpPr>
+          <p:cNvPr id="2" name="Title 1"/>
+          <p:cNvSpPr>
+            <a:spLocks noGrp="1"/>
+          </p:cNvSpPr>
+          <p:nvPr>
+            <p:ph type="title"/>
+          </p:nvPr>
+        </p:nvSpPr>
+        <p:spPr/>
+        <p:txBody>
+          <a:bodyPr/>
+          <a:lstStyle/>
+          <a:p>
+            <a:r>
+              <a:rPr lang="en-US" dirty="0" smtClean="0"/>
+              <a:t>Engine</a:t>
+            </a:r>
+            <a:endParaRPr lang="en-US" dirty="0"/>
+          </a:p>
+        </p:txBody>
+      </p:sp>
+      <p:sp>
+        <p:nvSpPr>
+          <p:cNvPr id="3" name="Content Placeholder 2"/>
+          <p:cNvSpPr>
+            <a:spLocks noGrp="1"/>
+          </p:cNvSpPr>
+          <p:nvPr>
+            <p:ph idx="1"/>
+          </p:nvPr>
+        </p:nvSpPr>
+        <p:spPr/>
+        <p:txBody>
+          <a:bodyPr/>
+          <a:lstStyle/>
+          <a:p>
+            <a:r>
+              <a:rPr lang="en-US" dirty="0" smtClean="0"/>
+              <a:t>Passive to Active rendering</a:t>
+            </a:r>
+          </a:p>
+          <a:p>
+            <a:pPr lvl="1"/>
+            <a:r>
+              <a:rPr lang="en-US" dirty="0" err="1" smtClean="0"/>
+              <a:t>SurfaceView</a:t>
+            </a:r>
+            <a:endParaRPr lang="en-US" dirty="0" smtClean="0"/>
+          </a:p>
+          <a:p>
+            <a:r>
+              <a:rPr lang="en-US" dirty="0" smtClean="0"/>
+              <a:t>Custom </a:t>
+            </a:r>
+            <a:r>
+              <a:rPr lang="en-US" dirty="0" smtClean="0"/>
+              <a:t>Widgets</a:t>
+            </a:r>
+          </a:p>
+          <a:p>
+            <a:r>
+              <a:rPr lang="en-US" dirty="0" smtClean="0"/>
+              <a:t>Object Creation</a:t>
+            </a:r>
+            <a:endParaRPr lang="en-US" dirty="0" smtClean="0"/>
+          </a:p>
+          <a:p>
+            <a:pPr lvl="1"/>
+            <a:r>
+              <a:rPr lang="en-US" dirty="0" smtClean="0"/>
+              <a:t>Pooling</a:t>
+            </a:r>
+          </a:p>
+          <a:p>
+            <a:r>
+              <a:rPr lang="en-US" dirty="0" smtClean="0"/>
+              <a:t>FSM</a:t>
+            </a:r>
+            <a:endParaRPr lang="en-US" dirty="0"/>
+          </a:p>
+        </p:txBody>
+      </p:sp>
+    </p:spTree>
+  </p:cSld>
+  <p:clrMapOvr>
+    <a:masterClrMapping/>
+  </p:clrMapOvr>
+</p:sld>
+</file>
+
+<file path=ppt/slides/slide3.xml><?xml version="1.0" encoding="utf-8"?>
+<p:sld xmlns:a="http://schemas.openxmlformats.org/drawingml/2006/main" xmlns:r="http://schemas.openxmlformats.org/officeDocument/2006/relationships" xmlns:p="http://schemas.openxmlformats.org/presentationml/2006/main">
+  <p:cSld>
+    <p:spTree>
+      <p:nvGrpSpPr>
+        <p:cNvPr id="1" name=""/>
+        <p:cNvGrpSpPr/>
+        <p:nvPr/>
+      </p:nvGrpSpPr>
+      <p:grpSpPr>
+        <a:xfrm>
+          <a:off x="0" y="0"/>
+          <a:ext cx="0" cy="0"/>
+          <a:chOff x="0" y="0"/>
+          <a:chExt cx="0" cy="0"/>
+        </a:xfrm>
+      </p:grpSpPr>
+      <p:pic>
+        <p:nvPicPr>
+          <p:cNvPr id="4" name="Content Placeholder 3" descr="flow.png"/>
+          <p:cNvPicPr>
+            <a:picLocks noGrp="1" noChangeAspect="1"/>
+          </p:cNvPicPr>
+          <p:nvPr>
+            <p:ph idx="1"/>
+          </p:nvPr>
+        </p:nvPicPr>
+        <p:blipFill>
+          <a:blip r:embed="rId2" cstate="print"/>
+          <a:stretch>
+            <a:fillRect/>
+          </a:stretch>
+        </p:blipFill>
+        <p:spPr>
+          <a:xfrm>
+            <a:off x="1993588" y="457200"/>
+            <a:ext cx="5156823" cy="5851525"/>
+          </a:xfrm>
+        </p:spPr>
+      </p:pic>
+    </p:spTree>
+  </p:cSld>
+  <p:clrMapOvr>
+    <a:masterClrMapping/>
+  </p:clrMapOvr>
+</p:sld>
+</file>
+
+<file path=ppt/slides/slide4.xml><?xml version="1.0" encoding="utf-8"?>
+<p:sld xmlns:a="http://schemas.openxmlformats.org/drawingml/2006/main" xmlns:r="http://schemas.openxmlformats.org/officeDocument/2006/relationships" xmlns:p="http://schemas.openxmlformats.org/presentationml/2006/main">
+  <p:cSld>
+    <p:spTree>
+      <p:nvGrpSpPr>
+        <p:cNvPr id="1" name=""/>
+        <p:cNvGrpSpPr/>
+        <p:nvPr/>
+      </p:nvGrpSpPr>
+      <p:grpSpPr>
+        <a:xfrm>
+          <a:off x="0" y="0"/>
+          <a:ext cx="0" cy="0"/>
+          <a:chOff x="0" y="0"/>
+          <a:chExt cx="0" cy="0"/>
+        </a:xfrm>
+      </p:grpSpPr>
+      <p:pic>
+        <p:nvPicPr>
+          <p:cNvPr id="4" name="Content Placeholder 3" descr="1.png"/>
+          <p:cNvPicPr>
+            <a:picLocks noGrp="1" noChangeAspect="1"/>
+          </p:cNvPicPr>
+          <p:nvPr>
+            <p:ph idx="1"/>
+          </p:nvPr>
+        </p:nvPicPr>
+        <p:blipFill>
+          <a:blip r:embed="rId2" cstate="print"/>
+          <a:stretch>
+            <a:fillRect/>
+          </a:stretch>
+        </p:blipFill>
+        <p:spPr>
+          <a:xfrm>
+            <a:off x="762000" y="381000"/>
+            <a:ext cx="7620000" cy="5715000"/>
+          </a:xfrm>
+        </p:spPr>
+      </p:pic>
+    </p:spTree>
+  </p:cSld>
+  <p:clrMapOvr>
+    <a:masterClrMapping/>
+  </p:clrMapOvr>
+</p:sld>
+</file>
+
+<file path=ppt/slides/slide5.xml><?xml version="1.0" encoding="utf-8"?>
+<p:sld xmlns:a="http://schemas.openxmlformats.org/drawingml/2006/main" xmlns:r="http://schemas.openxmlformats.org/officeDocument/2006/relationships" xmlns:p="http://schemas.openxmlformats.org/presentationml/2006/main">
+  <p:cSld>
+    <p:spTree>
+      <p:nvGrpSpPr>
+        <p:cNvPr id="1" name=""/>
+        <p:cNvGrpSpPr/>
+        <p:nvPr/>
+      </p:nvGrpSpPr>
+      <p:grpSpPr>
+        <a:xfrm>
+          <a:off x="0" y="0"/>
+          <a:ext cx="0" cy="0"/>
+          <a:chOff x="0" y="0"/>
+          <a:chExt cx="0" cy="0"/>
+        </a:xfrm>
+      </p:grpSpPr>
+      <p:pic>
+        <p:nvPicPr>
+          <p:cNvPr id="4" name="Content Placeholder 3" descr="2.png"/>
+          <p:cNvPicPr>
+            <a:picLocks noGrp="1" noChangeAspect="1"/>
+          </p:cNvPicPr>
+          <p:nvPr>
+            <p:ph idx="1"/>
+          </p:nvPr>
+        </p:nvPicPr>
+        <p:blipFill>
+          <a:blip r:embed="rId2" cstate="print"/>
+          <a:stretch>
+            <a:fillRect/>
+          </a:stretch>
+        </p:blipFill>
+        <p:spPr>
+          <a:xfrm>
+            <a:off x="762000" y="457200"/>
+            <a:ext cx="7620000" cy="5783262"/>
+          </a:xfrm>
+        </p:spPr>
+      </p:pic>
+    </p:spTree>
+  </p:cSld>
+  <p:clrMapOvr>
+    <a:masterClrMapping/>
+  </p:clrMapOvr>
+</p:sld>
+</file>
+
+<file path=ppt/slides/slide6.xml><?xml version="1.0" encoding="utf-8"?>
+<p:sld xmlns:a="http://schemas.openxmlformats.org/drawingml/2006/main" xmlns:r="http://schemas.openxmlformats.org/officeDocument/2006/relationships" xmlns:p="http://schemas.openxmlformats.org/presentationml/2006/main">
+  <p:cSld>
+    <p:spTree>
+      <p:nvGrpSpPr>
+        <p:cNvPr id="1" name=""/>
+        <p:cNvGrpSpPr/>
+        <p:nvPr/>
+      </p:nvGrpSpPr>
+      <p:grpSpPr>
+        <a:xfrm>
+          <a:off x="0" y="0"/>
+          <a:ext cx="0" cy="0"/>
+          <a:chOff x="0" y="0"/>
+          <a:chExt cx="0" cy="0"/>
+        </a:xfrm>
+      </p:grpSpPr>
+      <p:pic>
+        <p:nvPicPr>
+          <p:cNvPr id="4" name="Content Placeholder 3" descr="3.png"/>
+          <p:cNvPicPr>
+            <a:picLocks noGrp="1" noChangeAspect="1"/>
+          </p:cNvPicPr>
+          <p:nvPr>
+            <p:ph idx="1"/>
+          </p:nvPr>
+        </p:nvPicPr>
+        <p:blipFill>
+          <a:blip r:embed="rId2" cstate="print"/>
+          <a:stretch>
+            <a:fillRect/>
+          </a:stretch>
+        </p:blipFill>
+        <p:spPr>
+          <a:xfrm>
+            <a:off x="762000" y="381000"/>
+            <a:ext cx="7620000" cy="5638800"/>
+          </a:xfrm>
+        </p:spPr>
+      </p:pic>
+    </p:spTree>
+  </p:cSld>
+  <p:clrMapOvr>
+    <a:masterClrMapping/>
+  </p:clrMapOvr>
+</p:sld>
+</file>
+
+<file path=ppt/slides/slide7.xml><?xml version="1.0" encoding="utf-8"?>
+<p:sld xmlns:a="http://schemas.openxmlformats.org/drawingml/2006/main" xmlns:r="http://schemas.openxmlformats.org/officeDocument/2006/relationships" xmlns:p="http://schemas.openxmlformats.org/presentationml/2006/main">
+  <p:cSld>
+    <p:spTree>
+      <p:nvGrpSpPr>
+        <p:cNvPr id="1" name=""/>
+        <p:cNvGrpSpPr/>
+        <p:nvPr/>
+      </p:nvGrpSpPr>
+      <p:grpSpPr>
+        <a:xfrm>
+          <a:off x="0" y="0"/>
+          <a:ext cx="0" cy="0"/>
+          <a:chOff x="0" y="0"/>
+          <a:chExt cx="0" cy="0"/>
+        </a:xfrm>
+      </p:grpSpPr>
+      <p:pic>
+        <p:nvPicPr>
+          <p:cNvPr id="4" name="Content Placeholder 3" descr="4.png"/>
+          <p:cNvPicPr>
+            <a:picLocks noGrp="1" noChangeAspect="1"/>
+          </p:cNvPicPr>
+          <p:nvPr>
+            <p:ph idx="1"/>
+          </p:nvPr>
+        </p:nvPicPr>
+        <p:blipFill>
+          <a:blip r:embed="rId2" cstate="print"/>
+          <a:stretch>
+            <a:fillRect/>
+          </a:stretch>
+        </p:blipFill>
+        <p:spPr>
+          <a:xfrm>
+            <a:off x="762000" y="533400"/>
+            <a:ext cx="7620000" cy="5638800"/>
+          </a:xfrm>
+        </p:spPr>
+      </p:pic>
+    </p:spTree>
   </p:cSld>
   <p:clrMapOvr>
     <a:masterClrMapping/>
